--- a/posts.assets/2021-10-11-introduction-to-MobileNetV3.assets/inverted_residual_block_with_se.pptx
+++ b/posts.assets/2021-10-11-introduction-to-MobileNetV3.assets/inverted_residual_block_with_se.pptx
@@ -8826,192 +8826,6 @@
           <a:ln w="9525" cap="flat" cmpd="sng">
             <a:solidFill>
               <a:srgbClr val="FFFFFF"/>
-            </a:solidFill>
-            <a:prstDash val="solid"/>
-            <a:round/>
-            <a:headEnd type="none" w="sm" len="sm"/>
-            <a:tailEnd type="none" w="sm" len="sm"/>
-          </a:ln>
-        </p:spPr>
-        <p:txBody>
-          <a:bodyPr spcFirstLastPara="1" wrap="square" lIns="91425" tIns="91425" rIns="91425" bIns="91425" anchor="ctr" anchorCtr="0">
-            <a:noAutofit/>
-          </a:bodyPr>
-          <a:lstStyle/>
-          <a:p>
-            <a:pPr marL="0" lvl="0" indent="0" algn="l" rtl="0">
-              <a:spcBef>
-                <a:spcPts val="0"/>
-              </a:spcBef>
-              <a:spcAft>
-                <a:spcPts val="0"/>
-              </a:spcAft>
-              <a:buNone/>
-            </a:pPr>
-            <a:endParaRPr/>
-          </a:p>
-        </p:txBody>
-      </p:sp>
-      <p:sp>
-        <p:nvSpPr>
-          <p:cNvPr id="749" name="Google Shape;13176;p201">
-            <a:extLst>
-              <a:ext uri="{FF2B5EF4-FFF2-40B4-BE49-F238E27FC236}">
-                <a16:creationId xmlns:a16="http://schemas.microsoft.com/office/drawing/2014/main" id="{D370AC2C-E115-4773-BDC3-3BB4BFADDD53}"/>
-              </a:ext>
-            </a:extLst>
-          </p:cNvPr>
-          <p:cNvSpPr/>
-          <p:nvPr/>
-        </p:nvSpPr>
-        <p:spPr>
-          <a:xfrm>
-            <a:off x="3959651" y="3160567"/>
-            <a:ext cx="198000" cy="220200"/>
-          </a:xfrm>
-          <a:prstGeom prst="cube">
-            <a:avLst>
-              <a:gd name="adj" fmla="val 28246"/>
-            </a:avLst>
-          </a:prstGeom>
-          <a:gradFill>
-            <a:gsLst>
-              <a:gs pos="0">
-                <a:srgbClr val="00CCFF"/>
-              </a:gs>
-              <a:gs pos="100000">
-                <a:srgbClr val="00FFFF"/>
-              </a:gs>
-            </a:gsLst>
-            <a:lin ang="0" scaled="0"/>
-          </a:gradFill>
-          <a:ln w="9525" cap="flat" cmpd="sng">
-            <a:solidFill>
-              <a:schemeClr val="dk2"/>
-            </a:solidFill>
-            <a:prstDash val="solid"/>
-            <a:round/>
-            <a:headEnd type="none" w="sm" len="sm"/>
-            <a:tailEnd type="none" w="sm" len="sm"/>
-          </a:ln>
-        </p:spPr>
-        <p:txBody>
-          <a:bodyPr spcFirstLastPara="1" wrap="square" lIns="91425" tIns="91425" rIns="91425" bIns="91425" anchor="ctr" anchorCtr="0">
-            <a:noAutofit/>
-          </a:bodyPr>
-          <a:lstStyle/>
-          <a:p>
-            <a:pPr marL="0" lvl="0" indent="0" algn="l" rtl="0">
-              <a:spcBef>
-                <a:spcPts val="0"/>
-              </a:spcBef>
-              <a:spcAft>
-                <a:spcPts val="0"/>
-              </a:spcAft>
-              <a:buNone/>
-            </a:pPr>
-            <a:endParaRPr/>
-          </a:p>
-        </p:txBody>
-      </p:sp>
-      <p:sp>
-        <p:nvSpPr>
-          <p:cNvPr id="750" name="Google Shape;13176;p201">
-            <a:extLst>
-              <a:ext uri="{FF2B5EF4-FFF2-40B4-BE49-F238E27FC236}">
-                <a16:creationId xmlns:a16="http://schemas.microsoft.com/office/drawing/2014/main" id="{760B87BE-6FDC-478A-8E39-84B254DB6073}"/>
-              </a:ext>
-            </a:extLst>
-          </p:cNvPr>
-          <p:cNvSpPr/>
-          <p:nvPr/>
-        </p:nvSpPr>
-        <p:spPr>
-          <a:xfrm>
-            <a:off x="4101784" y="3160567"/>
-            <a:ext cx="198000" cy="220200"/>
-          </a:xfrm>
-          <a:prstGeom prst="cube">
-            <a:avLst>
-              <a:gd name="adj" fmla="val 28246"/>
-            </a:avLst>
-          </a:prstGeom>
-          <a:gradFill>
-            <a:gsLst>
-              <a:gs pos="0">
-                <a:srgbClr val="00CCFF"/>
-              </a:gs>
-              <a:gs pos="100000">
-                <a:srgbClr val="00FFFF"/>
-              </a:gs>
-            </a:gsLst>
-            <a:lin ang="0" scaled="0"/>
-          </a:gradFill>
-          <a:ln w="9525" cap="flat" cmpd="sng">
-            <a:solidFill>
-              <a:schemeClr val="dk2"/>
-            </a:solidFill>
-            <a:prstDash val="solid"/>
-            <a:round/>
-            <a:headEnd type="none" w="sm" len="sm"/>
-            <a:tailEnd type="none" w="sm" len="sm"/>
-          </a:ln>
-        </p:spPr>
-        <p:txBody>
-          <a:bodyPr spcFirstLastPara="1" wrap="square" lIns="91425" tIns="91425" rIns="91425" bIns="91425" anchor="ctr" anchorCtr="0">
-            <a:noAutofit/>
-          </a:bodyPr>
-          <a:lstStyle/>
-          <a:p>
-            <a:pPr marL="0" lvl="0" indent="0" algn="l" rtl="0">
-              <a:spcBef>
-                <a:spcPts val="0"/>
-              </a:spcBef>
-              <a:spcAft>
-                <a:spcPts val="0"/>
-              </a:spcAft>
-              <a:buNone/>
-            </a:pPr>
-            <a:endParaRPr/>
-          </a:p>
-        </p:txBody>
-      </p:sp>
-      <p:sp>
-        <p:nvSpPr>
-          <p:cNvPr id="751" name="Google Shape;13176;p201">
-            <a:extLst>
-              <a:ext uri="{FF2B5EF4-FFF2-40B4-BE49-F238E27FC236}">
-                <a16:creationId xmlns:a16="http://schemas.microsoft.com/office/drawing/2014/main" id="{B765BB14-EA1A-41B2-BE19-DF9709A72B40}"/>
-              </a:ext>
-            </a:extLst>
-          </p:cNvPr>
-          <p:cNvSpPr/>
-          <p:nvPr/>
-        </p:nvSpPr>
-        <p:spPr>
-          <a:xfrm>
-            <a:off x="4243917" y="3160567"/>
-            <a:ext cx="198000" cy="220200"/>
-          </a:xfrm>
-          <a:prstGeom prst="cube">
-            <a:avLst>
-              <a:gd name="adj" fmla="val 28246"/>
-            </a:avLst>
-          </a:prstGeom>
-          <a:gradFill>
-            <a:gsLst>
-              <a:gs pos="0">
-                <a:srgbClr val="00CCFF"/>
-              </a:gs>
-              <a:gs pos="100000">
-                <a:srgbClr val="00FFFF"/>
-              </a:gs>
-            </a:gsLst>
-            <a:lin ang="0" scaled="0"/>
-          </a:gradFill>
-          <a:ln w="9525" cap="flat" cmpd="sng">
-            <a:solidFill>
-              <a:schemeClr val="dk2"/>
             </a:solidFill>
             <a:prstDash val="solid"/>
             <a:round/>

--- a/posts.assets/2021-10-11-introduction-to-MobileNetV3.assets/inverted_residual_block_with_se.pptx
+++ b/posts.assets/2021-10-11-introduction-to-MobileNetV3.assets/inverted_residual_block_with_se.pptx
@@ -259,7 +259,7 @@
           <a:p>
             <a:fld id="{E5EC7E3C-6C62-4CE0-ACEA-7C44C49CB18E}" type="datetimeFigureOut">
               <a:rPr lang="zh-CN" altLang="en-US" smtClean="0"/>
-              <a:t>2021/10/13</a:t>
+              <a:t>2021/11/10</a:t>
             </a:fld>
             <a:endParaRPr lang="zh-CN" altLang="en-US"/>
           </a:p>
@@ -457,7 +457,7 @@
           <a:p>
             <a:fld id="{E5EC7E3C-6C62-4CE0-ACEA-7C44C49CB18E}" type="datetimeFigureOut">
               <a:rPr lang="zh-CN" altLang="en-US" smtClean="0"/>
-              <a:t>2021/10/13</a:t>
+              <a:t>2021/11/10</a:t>
             </a:fld>
             <a:endParaRPr lang="zh-CN" altLang="en-US"/>
           </a:p>
@@ -665,7 +665,7 @@
           <a:p>
             <a:fld id="{E5EC7E3C-6C62-4CE0-ACEA-7C44C49CB18E}" type="datetimeFigureOut">
               <a:rPr lang="zh-CN" altLang="en-US" smtClean="0"/>
-              <a:t>2021/10/13</a:t>
+              <a:t>2021/11/10</a:t>
             </a:fld>
             <a:endParaRPr lang="zh-CN" altLang="en-US"/>
           </a:p>
@@ -863,7 +863,7 @@
           <a:p>
             <a:fld id="{E5EC7E3C-6C62-4CE0-ACEA-7C44C49CB18E}" type="datetimeFigureOut">
               <a:rPr lang="zh-CN" altLang="en-US" smtClean="0"/>
-              <a:t>2021/10/13</a:t>
+              <a:t>2021/11/10</a:t>
             </a:fld>
             <a:endParaRPr lang="zh-CN" altLang="en-US"/>
           </a:p>
@@ -1138,7 +1138,7 @@
           <a:p>
             <a:fld id="{E5EC7E3C-6C62-4CE0-ACEA-7C44C49CB18E}" type="datetimeFigureOut">
               <a:rPr lang="zh-CN" altLang="en-US" smtClean="0"/>
-              <a:t>2021/10/13</a:t>
+              <a:t>2021/11/10</a:t>
             </a:fld>
             <a:endParaRPr lang="zh-CN" altLang="en-US"/>
           </a:p>
@@ -1403,7 +1403,7 @@
           <a:p>
             <a:fld id="{E5EC7E3C-6C62-4CE0-ACEA-7C44C49CB18E}" type="datetimeFigureOut">
               <a:rPr lang="zh-CN" altLang="en-US" smtClean="0"/>
-              <a:t>2021/10/13</a:t>
+              <a:t>2021/11/10</a:t>
             </a:fld>
             <a:endParaRPr lang="zh-CN" altLang="en-US"/>
           </a:p>
@@ -1815,7 +1815,7 @@
           <a:p>
             <a:fld id="{E5EC7E3C-6C62-4CE0-ACEA-7C44C49CB18E}" type="datetimeFigureOut">
               <a:rPr lang="zh-CN" altLang="en-US" smtClean="0"/>
-              <a:t>2021/10/13</a:t>
+              <a:t>2021/11/10</a:t>
             </a:fld>
             <a:endParaRPr lang="zh-CN" altLang="en-US"/>
           </a:p>
@@ -1956,7 +1956,7 @@
           <a:p>
             <a:fld id="{E5EC7E3C-6C62-4CE0-ACEA-7C44C49CB18E}" type="datetimeFigureOut">
               <a:rPr lang="zh-CN" altLang="en-US" smtClean="0"/>
-              <a:t>2021/10/13</a:t>
+              <a:t>2021/11/10</a:t>
             </a:fld>
             <a:endParaRPr lang="zh-CN" altLang="en-US"/>
           </a:p>
@@ -2069,7 +2069,7 @@
           <a:p>
             <a:fld id="{E5EC7E3C-6C62-4CE0-ACEA-7C44C49CB18E}" type="datetimeFigureOut">
               <a:rPr lang="zh-CN" altLang="en-US" smtClean="0"/>
-              <a:t>2021/10/13</a:t>
+              <a:t>2021/11/10</a:t>
             </a:fld>
             <a:endParaRPr lang="zh-CN" altLang="en-US"/>
           </a:p>
@@ -2380,7 +2380,7 @@
           <a:p>
             <a:fld id="{E5EC7E3C-6C62-4CE0-ACEA-7C44C49CB18E}" type="datetimeFigureOut">
               <a:rPr lang="zh-CN" altLang="en-US" smtClean="0"/>
-              <a:t>2021/10/13</a:t>
+              <a:t>2021/11/10</a:t>
             </a:fld>
             <a:endParaRPr lang="zh-CN" altLang="en-US"/>
           </a:p>
@@ -2668,7 +2668,7 @@
           <a:p>
             <a:fld id="{E5EC7E3C-6C62-4CE0-ACEA-7C44C49CB18E}" type="datetimeFigureOut">
               <a:rPr lang="zh-CN" altLang="en-US" smtClean="0"/>
-              <a:t>2021/10/13</a:t>
+              <a:t>2021/11/10</a:t>
             </a:fld>
             <a:endParaRPr lang="zh-CN" altLang="en-US"/>
           </a:p>
@@ -2909,7 +2909,7 @@
           <a:p>
             <a:fld id="{E5EC7E3C-6C62-4CE0-ACEA-7C44C49CB18E}" type="datetimeFigureOut">
               <a:rPr lang="zh-CN" altLang="en-US" smtClean="0"/>
-              <a:t>2021/10/13</a:t>
+              <a:t>2021/11/10</a:t>
             </a:fld>
             <a:endParaRPr lang="zh-CN" altLang="en-US"/>
           </a:p>
@@ -9265,7 +9265,7 @@
           <a:noFill/>
           <a:ln w="19050" cap="flat" cmpd="sng">
             <a:solidFill>
-              <a:srgbClr val="F4CCCC"/>
+              <a:schemeClr val="accent2"/>
             </a:solidFill>
             <a:prstDash val="solid"/>
             <a:round/>

--- a/posts.assets/2021-10-11-introduction-to-MobileNetV3.assets/inverted_residual_block_with_se.pptx
+++ b/posts.assets/2021-10-11-introduction-to-MobileNetV3.assets/inverted_residual_block_with_se.pptx
@@ -259,7 +259,7 @@
           <a:p>
             <a:fld id="{E5EC7E3C-6C62-4CE0-ACEA-7C44C49CB18E}" type="datetimeFigureOut">
               <a:rPr lang="zh-CN" altLang="en-US" smtClean="0"/>
-              <a:t>2021/11/10</a:t>
+              <a:t>2021/10/13</a:t>
             </a:fld>
             <a:endParaRPr lang="zh-CN" altLang="en-US"/>
           </a:p>
@@ -457,7 +457,7 @@
           <a:p>
             <a:fld id="{E5EC7E3C-6C62-4CE0-ACEA-7C44C49CB18E}" type="datetimeFigureOut">
               <a:rPr lang="zh-CN" altLang="en-US" smtClean="0"/>
-              <a:t>2021/11/10</a:t>
+              <a:t>2021/10/13</a:t>
             </a:fld>
             <a:endParaRPr lang="zh-CN" altLang="en-US"/>
           </a:p>
@@ -665,7 +665,7 @@
           <a:p>
             <a:fld id="{E5EC7E3C-6C62-4CE0-ACEA-7C44C49CB18E}" type="datetimeFigureOut">
               <a:rPr lang="zh-CN" altLang="en-US" smtClean="0"/>
-              <a:t>2021/11/10</a:t>
+              <a:t>2021/10/13</a:t>
             </a:fld>
             <a:endParaRPr lang="zh-CN" altLang="en-US"/>
           </a:p>
@@ -863,7 +863,7 @@
           <a:p>
             <a:fld id="{E5EC7E3C-6C62-4CE0-ACEA-7C44C49CB18E}" type="datetimeFigureOut">
               <a:rPr lang="zh-CN" altLang="en-US" smtClean="0"/>
-              <a:t>2021/11/10</a:t>
+              <a:t>2021/10/13</a:t>
             </a:fld>
             <a:endParaRPr lang="zh-CN" altLang="en-US"/>
           </a:p>
@@ -1138,7 +1138,7 @@
           <a:p>
             <a:fld id="{E5EC7E3C-6C62-4CE0-ACEA-7C44C49CB18E}" type="datetimeFigureOut">
               <a:rPr lang="zh-CN" altLang="en-US" smtClean="0"/>
-              <a:t>2021/11/10</a:t>
+              <a:t>2021/10/13</a:t>
             </a:fld>
             <a:endParaRPr lang="zh-CN" altLang="en-US"/>
           </a:p>
@@ -1403,7 +1403,7 @@
           <a:p>
             <a:fld id="{E5EC7E3C-6C62-4CE0-ACEA-7C44C49CB18E}" type="datetimeFigureOut">
               <a:rPr lang="zh-CN" altLang="en-US" smtClean="0"/>
-              <a:t>2021/11/10</a:t>
+              <a:t>2021/10/13</a:t>
             </a:fld>
             <a:endParaRPr lang="zh-CN" altLang="en-US"/>
           </a:p>
@@ -1815,7 +1815,7 @@
           <a:p>
             <a:fld id="{E5EC7E3C-6C62-4CE0-ACEA-7C44C49CB18E}" type="datetimeFigureOut">
               <a:rPr lang="zh-CN" altLang="en-US" smtClean="0"/>
-              <a:t>2021/11/10</a:t>
+              <a:t>2021/10/13</a:t>
             </a:fld>
             <a:endParaRPr lang="zh-CN" altLang="en-US"/>
           </a:p>
@@ -1956,7 +1956,7 @@
           <a:p>
             <a:fld id="{E5EC7E3C-6C62-4CE0-ACEA-7C44C49CB18E}" type="datetimeFigureOut">
               <a:rPr lang="zh-CN" altLang="en-US" smtClean="0"/>
-              <a:t>2021/11/10</a:t>
+              <a:t>2021/10/13</a:t>
             </a:fld>
             <a:endParaRPr lang="zh-CN" altLang="en-US"/>
           </a:p>
@@ -2069,7 +2069,7 @@
           <a:p>
             <a:fld id="{E5EC7E3C-6C62-4CE0-ACEA-7C44C49CB18E}" type="datetimeFigureOut">
               <a:rPr lang="zh-CN" altLang="en-US" smtClean="0"/>
-              <a:t>2021/11/10</a:t>
+              <a:t>2021/10/13</a:t>
             </a:fld>
             <a:endParaRPr lang="zh-CN" altLang="en-US"/>
           </a:p>
@@ -2380,7 +2380,7 @@
           <a:p>
             <a:fld id="{E5EC7E3C-6C62-4CE0-ACEA-7C44C49CB18E}" type="datetimeFigureOut">
               <a:rPr lang="zh-CN" altLang="en-US" smtClean="0"/>
-              <a:t>2021/11/10</a:t>
+              <a:t>2021/10/13</a:t>
             </a:fld>
             <a:endParaRPr lang="zh-CN" altLang="en-US"/>
           </a:p>
@@ -2668,7 +2668,7 @@
           <a:p>
             <a:fld id="{E5EC7E3C-6C62-4CE0-ACEA-7C44C49CB18E}" type="datetimeFigureOut">
               <a:rPr lang="zh-CN" altLang="en-US" smtClean="0"/>
-              <a:t>2021/11/10</a:t>
+              <a:t>2021/10/13</a:t>
             </a:fld>
             <a:endParaRPr lang="zh-CN" altLang="en-US"/>
           </a:p>
@@ -2909,7 +2909,7 @@
           <a:p>
             <a:fld id="{E5EC7E3C-6C62-4CE0-ACEA-7C44C49CB18E}" type="datetimeFigureOut">
               <a:rPr lang="zh-CN" altLang="en-US" smtClean="0"/>
-              <a:t>2021/11/10</a:t>
+              <a:t>2021/10/13</a:t>
             </a:fld>
             <a:endParaRPr lang="zh-CN" altLang="en-US"/>
           </a:p>
@@ -9265,7 +9265,7 @@
           <a:noFill/>
           <a:ln w="19050" cap="flat" cmpd="sng">
             <a:solidFill>
-              <a:schemeClr val="accent2"/>
+              <a:srgbClr val="F4CCCC"/>
             </a:solidFill>
             <a:prstDash val="solid"/>
             <a:round/>
